--- a/pub/Council/October-9-2012/Stakeholder-Request-System-Oct9-2012-v1.1.pptx
+++ b/pub/Council/October-9-2012/Stakeholder-Request-System-Oct9-2012-v1.1.pptx
@@ -20,6 +20,9 @@
   </p:sldIdLst>
   <p:sldSz cx="9144000" cy="6858000" type="screen4x3"/>
   <p:notesSz cx="6858000" cy="9296400"/>
+  <p:custDataLst>
+    <p:tags r:id="rId10"/>
+  </p:custDataLst>
   <p:defaultTextStyle>
     <a:defPPr>
       <a:defRPr lang="en-US"/>
@@ -4274,7 +4277,7 @@
   <p:timing>
     <p:tnLst>
       <p:par>
-        <p:cTn xmlns:p14="http://schemas.microsoft.com/office/powerpoint/2010/main" id="1" dur="indefinite" restart="never" nodeType="tmRoot"/>
+        <p:cTn id="1" dur="indefinite" restart="never" nodeType="tmRoot"/>
       </p:par>
     </p:tnLst>
   </p:timing>
@@ -4471,7 +4474,7 @@
   <p:timing>
     <p:tnLst>
       <p:par>
-        <p:cTn xmlns:p14="http://schemas.microsoft.com/office/powerpoint/2010/main" id="1" dur="indefinite" restart="never" nodeType="tmRoot"/>
+        <p:cTn id="1" dur="indefinite" restart="never" nodeType="tmRoot"/>
       </p:par>
     </p:tnLst>
   </p:timing>
@@ -4915,7 +4918,7 @@
   <p:timing>
     <p:tnLst>
       <p:par>
-        <p:cTn xmlns:p14="http://schemas.microsoft.com/office/powerpoint/2010/main" id="1" dur="indefinite" restart="never" nodeType="tmRoot"/>
+        <p:cTn id="1" dur="indefinite" restart="never" nodeType="tmRoot"/>
       </p:par>
     </p:tnLst>
   </p:timing>
@@ -5243,7 +5246,7 @@
   <p:timing>
     <p:tnLst>
       <p:par>
-        <p:cTn xmlns:p14="http://schemas.microsoft.com/office/powerpoint/2010/main" id="1" dur="indefinite" restart="never" nodeType="tmRoot"/>
+        <p:cTn id="1" dur="indefinite" restart="never" nodeType="tmRoot"/>
       </p:par>
     </p:tnLst>
   </p:timing>
@@ -5576,6 +5579,13 @@
     <a:masterClrMapping/>
   </p:clrMapOvr>
 </p:sld>
+</file>
+
+<file path=ppt/tags/tag1.xml><?xml version="1.0" encoding="utf-8"?>
+<p:tagLst xmlns:a="http://schemas.openxmlformats.org/drawingml/2006/main" xmlns:r="http://schemas.openxmlformats.org/officeDocument/2006/relationships" xmlns:p="http://schemas.openxmlformats.org/presentationml/2006/main">
+  <p:tag name="MMPROD_UIDATA" val="&lt;database version=&quot;8.0&quot;&gt;&lt;object type=&quot;1&quot; unique_id=&quot;10001&quot;&gt;&lt;object type=&quot;2&quot; unique_id=&quot;10013&quot;&gt;&lt;object type=&quot;3&quot; unique_id=&quot;10014&quot;&gt;&lt;property id=&quot;20148&quot; value=&quot;5&quot;/&gt;&lt;property id=&quot;20300&quot; value=&quot;Slide 1 - &amp;quot;The OSG Stakeholders’ Request System  Oct 9, 2012  &amp;quot;&quot;/&gt;&lt;property id=&quot;20307&quot; value=&quot;256&quot;/&gt;&lt;/object&gt;&lt;object type=&quot;3&quot; unique_id=&quot;10015&quot;&gt;&lt;property id=&quot;20148&quot; value=&quot;5&quot;/&gt;&lt;property id=&quot;20300&quot; value=&quot;Slide 2 - &amp;quot;Goals of the System&amp;quot;&quot;/&gt;&lt;property id=&quot;20307&quot; value=&quot;352&quot;/&gt;&lt;/object&gt;&lt;object type=&quot;3&quot; unique_id=&quot;10016&quot;&gt;&lt;property id=&quot;20148&quot; value=&quot;5&quot;/&gt;&lt;property id=&quot;20300&quot; value=&quot;Slide 3 - &amp;quot;Request Handling Process&amp;quot;&quot;/&gt;&lt;property id=&quot;20307&quot; value=&quot;356&quot;/&gt;&lt;/object&gt;&lt;object type=&quot;3&quot; unique_id=&quot;10017&quot;&gt;&lt;property id=&quot;20148&quot; value=&quot;5&quot;/&gt;&lt;property id=&quot;20300&quot; value=&quot;Slide 4 - &amp;quot;Request attributes and workflow&amp;quot;&quot;/&gt;&lt;property id=&quot;20307&quot; value=&quot;354&quot;/&gt;&lt;/object&gt;&lt;object type=&quot;3&quot; unique_id=&quot;10018&quot;&gt;&lt;property id=&quot;20148&quot; value=&quot;5&quot;/&gt;&lt;property id=&quot;20300&quot; value=&quot;Slide 5 - &amp;quot;Implementation: OSG JIRA&amp;quot;&quot;/&gt;&lt;property id=&quot;20307&quot; value=&quot;355&quot;/&gt;&lt;/object&gt;&lt;object type=&quot;3&quot; unique_id=&quot;10019&quot;&gt;&lt;property id=&quot;20148&quot; value=&quot;5&quot;/&gt;&lt;property id=&quot;20300&quot; value=&quot;Slide 6 - &amp;quot;Statistics&amp;quot;&quot;/&gt;&lt;property id=&quot;20307&quot; value=&quot;357&quot;/&gt;&lt;/object&gt;&lt;/object&gt;&lt;object type=&quot;8&quot; unique_id=&quot;10027&quot;&gt;&lt;/object&gt;&lt;/object&gt;&lt;/database&gt;"/>
+  <p:tag name="SECTOMILLISECCONVERTED" val="1"/>
+</p:tagLst>
 </file>
 
 <file path=ppt/theme/theme1.xml><?xml version="1.0" encoding="utf-8"?>
